--- a/presentations/gan_getting_started.pptx
+++ b/presentations/gan_getting_started.pptx
@@ -5,7 +5,7 @@
     <p:sldMasterId id="2147483648" r:id="rId1"/>
   </p:sldMasterIdLst>
   <p:notesMasterIdLst>
-    <p:notesMasterId r:id="rId10"/>
+    <p:notesMasterId r:id="rId17"/>
   </p:notesMasterIdLst>
   <p:sldIdLst>
     <p:sldId id="311" r:id="rId2"/>
@@ -16,6 +16,13 @@
     <p:sldId id="306" r:id="rId7"/>
     <p:sldId id="308" r:id="rId8"/>
     <p:sldId id="313" r:id="rId9"/>
+    <p:sldId id="312" r:id="rId10"/>
+    <p:sldId id="314" r:id="rId11"/>
+    <p:sldId id="315" r:id="rId12"/>
+    <p:sldId id="316" r:id="rId13"/>
+    <p:sldId id="317" r:id="rId14"/>
+    <p:sldId id="318" r:id="rId15"/>
+    <p:sldId id="319" r:id="rId16"/>
   </p:sldIdLst>
   <p:sldSz cx="12192000" cy="6858000"/>
   <p:notesSz cx="7023100" cy="9309100"/>
@@ -215,7 +222,7 @@
           <a:p>
             <a:fld id="{FD93C9B2-20F6-4DB1-B471-224337D0AC79}" type="datetimeFigureOut">
               <a:rPr lang="en-US" smtClean="0"/>
-              <a:t>9/24/2021</a:t>
+              <a:t>9/23/2021</a:t>
             </a:fld>
             <a:endParaRPr lang="en-US"/>
           </a:p>
@@ -573,6 +580,516 @@
 </p:notes>
 </file>
 
+<file path=ppt/notesSlides/notesSlide10.xml><?xml version="1.0" encoding="utf-8"?>
+<p:notes xmlns:a="http://schemas.openxmlformats.org/drawingml/2006/main" xmlns:r="http://schemas.openxmlformats.org/officeDocument/2006/relationships" xmlns:p="http://schemas.openxmlformats.org/presentationml/2006/main">
+  <p:cSld>
+    <p:spTree>
+      <p:nvGrpSpPr>
+        <p:cNvPr id="1" name=""/>
+        <p:cNvGrpSpPr/>
+        <p:nvPr/>
+      </p:nvGrpSpPr>
+      <p:grpSpPr>
+        <a:xfrm>
+          <a:off x="0" y="0"/>
+          <a:ext cx="0" cy="0"/>
+          <a:chOff x="0" y="0"/>
+          <a:chExt cx="0" cy="0"/>
+        </a:xfrm>
+      </p:grpSpPr>
+      <p:sp>
+        <p:nvSpPr>
+          <p:cNvPr id="2" name="Slide Image Placeholder 1"/>
+          <p:cNvSpPr>
+            <a:spLocks noGrp="1" noRot="1" noChangeAspect="1"/>
+          </p:cNvSpPr>
+          <p:nvPr>
+            <p:ph type="sldImg"/>
+          </p:nvPr>
+        </p:nvSpPr>
+        <p:spPr/>
+      </p:sp>
+      <p:sp>
+        <p:nvSpPr>
+          <p:cNvPr id="3" name="Notes Placeholder 2"/>
+          <p:cNvSpPr>
+            <a:spLocks noGrp="1"/>
+          </p:cNvSpPr>
+          <p:nvPr>
+            <p:ph type="body" idx="1"/>
+          </p:nvPr>
+        </p:nvSpPr>
+        <p:spPr/>
+        <p:txBody>
+          <a:bodyPr/>
+          <a:lstStyle/>
+          <a:p>
+            <a:pPr algn="l"/>
+            <a:endParaRPr lang="en-US" dirty="0"/>
+          </a:p>
+        </p:txBody>
+      </p:sp>
+      <p:sp>
+        <p:nvSpPr>
+          <p:cNvPr id="4" name="Slide Number Placeholder 3"/>
+          <p:cNvSpPr>
+            <a:spLocks noGrp="1"/>
+          </p:cNvSpPr>
+          <p:nvPr>
+            <p:ph type="sldNum" sz="quarter" idx="5"/>
+          </p:nvPr>
+        </p:nvSpPr>
+        <p:spPr/>
+        <p:txBody>
+          <a:bodyPr/>
+          <a:lstStyle/>
+          <a:p>
+            <a:fld id="{3148858F-F1DB-4027-9C85-CCA6849540DD}" type="slidenum">
+              <a:rPr lang="en-US" smtClean="0"/>
+              <a:t>10</a:t>
+            </a:fld>
+            <a:endParaRPr lang="en-US"/>
+          </a:p>
+        </p:txBody>
+      </p:sp>
+    </p:spTree>
+    <p:extLst>
+      <p:ext uri="{BB962C8B-B14F-4D97-AF65-F5344CB8AC3E}">
+        <p14:creationId xmlns:p14="http://schemas.microsoft.com/office/powerpoint/2010/main" val="3354545943"/>
+      </p:ext>
+    </p:extLst>
+  </p:cSld>
+  <p:clrMapOvr>
+    <a:masterClrMapping/>
+  </p:clrMapOvr>
+</p:notes>
+</file>
+
+<file path=ppt/notesSlides/notesSlide11.xml><?xml version="1.0" encoding="utf-8"?>
+<p:notes xmlns:a="http://schemas.openxmlformats.org/drawingml/2006/main" xmlns:r="http://schemas.openxmlformats.org/officeDocument/2006/relationships" xmlns:p="http://schemas.openxmlformats.org/presentationml/2006/main">
+  <p:cSld>
+    <p:spTree>
+      <p:nvGrpSpPr>
+        <p:cNvPr id="1" name=""/>
+        <p:cNvGrpSpPr/>
+        <p:nvPr/>
+      </p:nvGrpSpPr>
+      <p:grpSpPr>
+        <a:xfrm>
+          <a:off x="0" y="0"/>
+          <a:ext cx="0" cy="0"/>
+          <a:chOff x="0" y="0"/>
+          <a:chExt cx="0" cy="0"/>
+        </a:xfrm>
+      </p:grpSpPr>
+      <p:sp>
+        <p:nvSpPr>
+          <p:cNvPr id="2" name="Slide Image Placeholder 1"/>
+          <p:cNvSpPr>
+            <a:spLocks noGrp="1" noRot="1" noChangeAspect="1"/>
+          </p:cNvSpPr>
+          <p:nvPr>
+            <p:ph type="sldImg"/>
+          </p:nvPr>
+        </p:nvSpPr>
+        <p:spPr/>
+      </p:sp>
+      <p:sp>
+        <p:nvSpPr>
+          <p:cNvPr id="3" name="Notes Placeholder 2"/>
+          <p:cNvSpPr>
+            <a:spLocks noGrp="1"/>
+          </p:cNvSpPr>
+          <p:nvPr>
+            <p:ph type="body" idx="1"/>
+          </p:nvPr>
+        </p:nvSpPr>
+        <p:spPr/>
+        <p:txBody>
+          <a:bodyPr/>
+          <a:lstStyle/>
+          <a:p>
+            <a:pPr algn="l"/>
+            <a:endParaRPr lang="en-US" dirty="0"/>
+          </a:p>
+        </p:txBody>
+      </p:sp>
+      <p:sp>
+        <p:nvSpPr>
+          <p:cNvPr id="4" name="Slide Number Placeholder 3"/>
+          <p:cNvSpPr>
+            <a:spLocks noGrp="1"/>
+          </p:cNvSpPr>
+          <p:nvPr>
+            <p:ph type="sldNum" sz="quarter" idx="5"/>
+          </p:nvPr>
+        </p:nvSpPr>
+        <p:spPr/>
+        <p:txBody>
+          <a:bodyPr/>
+          <a:lstStyle/>
+          <a:p>
+            <a:fld id="{3148858F-F1DB-4027-9C85-CCA6849540DD}" type="slidenum">
+              <a:rPr lang="en-US" smtClean="0"/>
+              <a:t>11</a:t>
+            </a:fld>
+            <a:endParaRPr lang="en-US"/>
+          </a:p>
+        </p:txBody>
+      </p:sp>
+    </p:spTree>
+    <p:extLst>
+      <p:ext uri="{BB962C8B-B14F-4D97-AF65-F5344CB8AC3E}">
+        <p14:creationId xmlns:p14="http://schemas.microsoft.com/office/powerpoint/2010/main" val="725338367"/>
+      </p:ext>
+    </p:extLst>
+  </p:cSld>
+  <p:clrMapOvr>
+    <a:masterClrMapping/>
+  </p:clrMapOvr>
+</p:notes>
+</file>
+
+<file path=ppt/notesSlides/notesSlide12.xml><?xml version="1.0" encoding="utf-8"?>
+<p:notes xmlns:a="http://schemas.openxmlformats.org/drawingml/2006/main" xmlns:r="http://schemas.openxmlformats.org/officeDocument/2006/relationships" xmlns:p="http://schemas.openxmlformats.org/presentationml/2006/main">
+  <p:cSld>
+    <p:spTree>
+      <p:nvGrpSpPr>
+        <p:cNvPr id="1" name=""/>
+        <p:cNvGrpSpPr/>
+        <p:nvPr/>
+      </p:nvGrpSpPr>
+      <p:grpSpPr>
+        <a:xfrm>
+          <a:off x="0" y="0"/>
+          <a:ext cx="0" cy="0"/>
+          <a:chOff x="0" y="0"/>
+          <a:chExt cx="0" cy="0"/>
+        </a:xfrm>
+      </p:grpSpPr>
+      <p:sp>
+        <p:nvSpPr>
+          <p:cNvPr id="2" name="Slide Image Placeholder 1"/>
+          <p:cNvSpPr>
+            <a:spLocks noGrp="1" noRot="1" noChangeAspect="1"/>
+          </p:cNvSpPr>
+          <p:nvPr>
+            <p:ph type="sldImg"/>
+          </p:nvPr>
+        </p:nvSpPr>
+        <p:spPr/>
+      </p:sp>
+      <p:sp>
+        <p:nvSpPr>
+          <p:cNvPr id="3" name="Notes Placeholder 2"/>
+          <p:cNvSpPr>
+            <a:spLocks noGrp="1"/>
+          </p:cNvSpPr>
+          <p:nvPr>
+            <p:ph type="body" idx="1"/>
+          </p:nvPr>
+        </p:nvSpPr>
+        <p:spPr/>
+        <p:txBody>
+          <a:bodyPr/>
+          <a:lstStyle/>
+          <a:p>
+            <a:pPr algn="l"/>
+            <a:endParaRPr lang="en-US" dirty="0"/>
+          </a:p>
+        </p:txBody>
+      </p:sp>
+      <p:sp>
+        <p:nvSpPr>
+          <p:cNvPr id="4" name="Slide Number Placeholder 3"/>
+          <p:cNvSpPr>
+            <a:spLocks noGrp="1"/>
+          </p:cNvSpPr>
+          <p:nvPr>
+            <p:ph type="sldNum" sz="quarter" idx="5"/>
+          </p:nvPr>
+        </p:nvSpPr>
+        <p:spPr/>
+        <p:txBody>
+          <a:bodyPr/>
+          <a:lstStyle/>
+          <a:p>
+            <a:fld id="{3148858F-F1DB-4027-9C85-CCA6849540DD}" type="slidenum">
+              <a:rPr lang="en-US" smtClean="0"/>
+              <a:t>12</a:t>
+            </a:fld>
+            <a:endParaRPr lang="en-US"/>
+          </a:p>
+        </p:txBody>
+      </p:sp>
+    </p:spTree>
+    <p:extLst>
+      <p:ext uri="{BB962C8B-B14F-4D97-AF65-F5344CB8AC3E}">
+        <p14:creationId xmlns:p14="http://schemas.microsoft.com/office/powerpoint/2010/main" val="2343084107"/>
+      </p:ext>
+    </p:extLst>
+  </p:cSld>
+  <p:clrMapOvr>
+    <a:masterClrMapping/>
+  </p:clrMapOvr>
+</p:notes>
+</file>
+
+<file path=ppt/notesSlides/notesSlide13.xml><?xml version="1.0" encoding="utf-8"?>
+<p:notes xmlns:a="http://schemas.openxmlformats.org/drawingml/2006/main" xmlns:r="http://schemas.openxmlformats.org/officeDocument/2006/relationships" xmlns:p="http://schemas.openxmlformats.org/presentationml/2006/main">
+  <p:cSld>
+    <p:spTree>
+      <p:nvGrpSpPr>
+        <p:cNvPr id="1" name=""/>
+        <p:cNvGrpSpPr/>
+        <p:nvPr/>
+      </p:nvGrpSpPr>
+      <p:grpSpPr>
+        <a:xfrm>
+          <a:off x="0" y="0"/>
+          <a:ext cx="0" cy="0"/>
+          <a:chOff x="0" y="0"/>
+          <a:chExt cx="0" cy="0"/>
+        </a:xfrm>
+      </p:grpSpPr>
+      <p:sp>
+        <p:nvSpPr>
+          <p:cNvPr id="2" name="Slide Image Placeholder 1"/>
+          <p:cNvSpPr>
+            <a:spLocks noGrp="1" noRot="1" noChangeAspect="1"/>
+          </p:cNvSpPr>
+          <p:nvPr>
+            <p:ph type="sldImg"/>
+          </p:nvPr>
+        </p:nvSpPr>
+        <p:spPr/>
+      </p:sp>
+      <p:sp>
+        <p:nvSpPr>
+          <p:cNvPr id="3" name="Notes Placeholder 2"/>
+          <p:cNvSpPr>
+            <a:spLocks noGrp="1"/>
+          </p:cNvSpPr>
+          <p:nvPr>
+            <p:ph type="body" idx="1"/>
+          </p:nvPr>
+        </p:nvSpPr>
+        <p:spPr/>
+        <p:txBody>
+          <a:bodyPr/>
+          <a:lstStyle/>
+          <a:p>
+            <a:pPr algn="l"/>
+            <a:endParaRPr lang="en-US" dirty="0"/>
+          </a:p>
+        </p:txBody>
+      </p:sp>
+      <p:sp>
+        <p:nvSpPr>
+          <p:cNvPr id="4" name="Slide Number Placeholder 3"/>
+          <p:cNvSpPr>
+            <a:spLocks noGrp="1"/>
+          </p:cNvSpPr>
+          <p:nvPr>
+            <p:ph type="sldNum" sz="quarter" idx="5"/>
+          </p:nvPr>
+        </p:nvSpPr>
+        <p:spPr/>
+        <p:txBody>
+          <a:bodyPr/>
+          <a:lstStyle/>
+          <a:p>
+            <a:fld id="{3148858F-F1DB-4027-9C85-CCA6849540DD}" type="slidenum">
+              <a:rPr lang="en-US" smtClean="0"/>
+              <a:t>13</a:t>
+            </a:fld>
+            <a:endParaRPr lang="en-US"/>
+          </a:p>
+        </p:txBody>
+      </p:sp>
+    </p:spTree>
+    <p:extLst>
+      <p:ext uri="{BB962C8B-B14F-4D97-AF65-F5344CB8AC3E}">
+        <p14:creationId xmlns:p14="http://schemas.microsoft.com/office/powerpoint/2010/main" val="3129972674"/>
+      </p:ext>
+    </p:extLst>
+  </p:cSld>
+  <p:clrMapOvr>
+    <a:masterClrMapping/>
+  </p:clrMapOvr>
+</p:notes>
+</file>
+
+<file path=ppt/notesSlides/notesSlide14.xml><?xml version="1.0" encoding="utf-8"?>
+<p:notes xmlns:a="http://schemas.openxmlformats.org/drawingml/2006/main" xmlns:r="http://schemas.openxmlformats.org/officeDocument/2006/relationships" xmlns:p="http://schemas.openxmlformats.org/presentationml/2006/main">
+  <p:cSld>
+    <p:spTree>
+      <p:nvGrpSpPr>
+        <p:cNvPr id="1" name=""/>
+        <p:cNvGrpSpPr/>
+        <p:nvPr/>
+      </p:nvGrpSpPr>
+      <p:grpSpPr>
+        <a:xfrm>
+          <a:off x="0" y="0"/>
+          <a:ext cx="0" cy="0"/>
+          <a:chOff x="0" y="0"/>
+          <a:chExt cx="0" cy="0"/>
+        </a:xfrm>
+      </p:grpSpPr>
+      <p:sp>
+        <p:nvSpPr>
+          <p:cNvPr id="2" name="Slide Image Placeholder 1"/>
+          <p:cNvSpPr>
+            <a:spLocks noGrp="1" noRot="1" noChangeAspect="1"/>
+          </p:cNvSpPr>
+          <p:nvPr>
+            <p:ph type="sldImg"/>
+          </p:nvPr>
+        </p:nvSpPr>
+        <p:spPr/>
+      </p:sp>
+      <p:sp>
+        <p:nvSpPr>
+          <p:cNvPr id="3" name="Notes Placeholder 2"/>
+          <p:cNvSpPr>
+            <a:spLocks noGrp="1"/>
+          </p:cNvSpPr>
+          <p:nvPr>
+            <p:ph type="body" idx="1"/>
+          </p:nvPr>
+        </p:nvSpPr>
+        <p:spPr/>
+        <p:txBody>
+          <a:bodyPr/>
+          <a:lstStyle/>
+          <a:p>
+            <a:pPr algn="l"/>
+            <a:endParaRPr lang="en-US" dirty="0"/>
+          </a:p>
+        </p:txBody>
+      </p:sp>
+      <p:sp>
+        <p:nvSpPr>
+          <p:cNvPr id="4" name="Slide Number Placeholder 3"/>
+          <p:cNvSpPr>
+            <a:spLocks noGrp="1"/>
+          </p:cNvSpPr>
+          <p:nvPr>
+            <p:ph type="sldNum" sz="quarter" idx="5"/>
+          </p:nvPr>
+        </p:nvSpPr>
+        <p:spPr/>
+        <p:txBody>
+          <a:bodyPr/>
+          <a:lstStyle/>
+          <a:p>
+            <a:fld id="{3148858F-F1DB-4027-9C85-CCA6849540DD}" type="slidenum">
+              <a:rPr lang="en-US" smtClean="0"/>
+              <a:t>14</a:t>
+            </a:fld>
+            <a:endParaRPr lang="en-US"/>
+          </a:p>
+        </p:txBody>
+      </p:sp>
+    </p:spTree>
+    <p:extLst>
+      <p:ext uri="{BB962C8B-B14F-4D97-AF65-F5344CB8AC3E}">
+        <p14:creationId xmlns:p14="http://schemas.microsoft.com/office/powerpoint/2010/main" val="168925411"/>
+      </p:ext>
+    </p:extLst>
+  </p:cSld>
+  <p:clrMapOvr>
+    <a:masterClrMapping/>
+  </p:clrMapOvr>
+</p:notes>
+</file>
+
+<file path=ppt/notesSlides/notesSlide15.xml><?xml version="1.0" encoding="utf-8"?>
+<p:notes xmlns:a="http://schemas.openxmlformats.org/drawingml/2006/main" xmlns:r="http://schemas.openxmlformats.org/officeDocument/2006/relationships" xmlns:p="http://schemas.openxmlformats.org/presentationml/2006/main">
+  <p:cSld>
+    <p:spTree>
+      <p:nvGrpSpPr>
+        <p:cNvPr id="1" name=""/>
+        <p:cNvGrpSpPr/>
+        <p:nvPr/>
+      </p:nvGrpSpPr>
+      <p:grpSpPr>
+        <a:xfrm>
+          <a:off x="0" y="0"/>
+          <a:ext cx="0" cy="0"/>
+          <a:chOff x="0" y="0"/>
+          <a:chExt cx="0" cy="0"/>
+        </a:xfrm>
+      </p:grpSpPr>
+      <p:sp>
+        <p:nvSpPr>
+          <p:cNvPr id="2" name="Slide Image Placeholder 1"/>
+          <p:cNvSpPr>
+            <a:spLocks noGrp="1" noRot="1" noChangeAspect="1"/>
+          </p:cNvSpPr>
+          <p:nvPr>
+            <p:ph type="sldImg"/>
+          </p:nvPr>
+        </p:nvSpPr>
+        <p:spPr/>
+      </p:sp>
+      <p:sp>
+        <p:nvSpPr>
+          <p:cNvPr id="3" name="Notes Placeholder 2"/>
+          <p:cNvSpPr>
+            <a:spLocks noGrp="1"/>
+          </p:cNvSpPr>
+          <p:nvPr>
+            <p:ph type="body" idx="1"/>
+          </p:nvPr>
+        </p:nvSpPr>
+        <p:spPr/>
+        <p:txBody>
+          <a:bodyPr/>
+          <a:lstStyle/>
+          <a:p>
+            <a:pPr algn="l"/>
+            <a:endParaRPr lang="en-US" dirty="0"/>
+          </a:p>
+        </p:txBody>
+      </p:sp>
+      <p:sp>
+        <p:nvSpPr>
+          <p:cNvPr id="4" name="Slide Number Placeholder 3"/>
+          <p:cNvSpPr>
+            <a:spLocks noGrp="1"/>
+          </p:cNvSpPr>
+          <p:nvPr>
+            <p:ph type="sldNum" sz="quarter" idx="5"/>
+          </p:nvPr>
+        </p:nvSpPr>
+        <p:spPr/>
+        <p:txBody>
+          <a:bodyPr/>
+          <a:lstStyle/>
+          <a:p>
+            <a:fld id="{3148858F-F1DB-4027-9C85-CCA6849540DD}" type="slidenum">
+              <a:rPr lang="en-US" smtClean="0"/>
+              <a:t>15</a:t>
+            </a:fld>
+            <a:endParaRPr lang="en-US"/>
+          </a:p>
+        </p:txBody>
+      </p:sp>
+    </p:spTree>
+    <p:extLst>
+      <p:ext uri="{BB962C8B-B14F-4D97-AF65-F5344CB8AC3E}">
+        <p14:creationId xmlns:p14="http://schemas.microsoft.com/office/powerpoint/2010/main" val="590162187"/>
+      </p:ext>
+    </p:extLst>
+  </p:cSld>
+  <p:clrMapOvr>
+    <a:masterClrMapping/>
+  </p:clrMapOvr>
+</p:notes>
+</file>
+
 <file path=ppt/notesSlides/notesSlide2.xml><?xml version="1.0" encoding="utf-8"?>
 <p:notes xmlns:a="http://schemas.openxmlformats.org/drawingml/2006/main" xmlns:r="http://schemas.openxmlformats.org/officeDocument/2006/relationships" xmlns:p="http://schemas.openxmlformats.org/presentationml/2006/main">
   <p:cSld>
@@ -1604,6 +2121,94 @@
     <p:extLst>
       <p:ext uri="{BB962C8B-B14F-4D97-AF65-F5344CB8AC3E}">
         <p14:creationId xmlns:p14="http://schemas.microsoft.com/office/powerpoint/2010/main" val="1821836187"/>
+      </p:ext>
+    </p:extLst>
+  </p:cSld>
+  <p:clrMapOvr>
+    <a:masterClrMapping/>
+  </p:clrMapOvr>
+</p:notes>
+</file>
+
+<file path=ppt/notesSlides/notesSlide9.xml><?xml version="1.0" encoding="utf-8"?>
+<p:notes xmlns:a="http://schemas.openxmlformats.org/drawingml/2006/main" xmlns:r="http://schemas.openxmlformats.org/officeDocument/2006/relationships" xmlns:p="http://schemas.openxmlformats.org/presentationml/2006/main">
+  <p:cSld>
+    <p:spTree>
+      <p:nvGrpSpPr>
+        <p:cNvPr id="1" name=""/>
+        <p:cNvGrpSpPr/>
+        <p:nvPr/>
+      </p:nvGrpSpPr>
+      <p:grpSpPr>
+        <a:xfrm>
+          <a:off x="0" y="0"/>
+          <a:ext cx="0" cy="0"/>
+          <a:chOff x="0" y="0"/>
+          <a:chExt cx="0" cy="0"/>
+        </a:xfrm>
+      </p:grpSpPr>
+      <p:sp>
+        <p:nvSpPr>
+          <p:cNvPr id="2" name="Slide Image Placeholder 1"/>
+          <p:cNvSpPr>
+            <a:spLocks noGrp="1" noRot="1" noChangeAspect="1"/>
+          </p:cNvSpPr>
+          <p:nvPr>
+            <p:ph type="sldImg"/>
+          </p:nvPr>
+        </p:nvSpPr>
+        <p:spPr/>
+      </p:sp>
+      <p:sp>
+        <p:nvSpPr>
+          <p:cNvPr id="3" name="Notes Placeholder 2"/>
+          <p:cNvSpPr>
+            <a:spLocks noGrp="1"/>
+          </p:cNvSpPr>
+          <p:nvPr>
+            <p:ph type="body" idx="1"/>
+          </p:nvPr>
+        </p:nvSpPr>
+        <p:spPr/>
+        <p:txBody>
+          <a:bodyPr/>
+          <a:lstStyle/>
+          <a:p>
+            <a:pPr algn="l"/>
+            <a:r>
+              <a:rPr lang="en-US" dirty="0"/>
+              <a:t>Dawn and Glen</a:t>
+            </a:r>
+          </a:p>
+        </p:txBody>
+      </p:sp>
+      <p:sp>
+        <p:nvSpPr>
+          <p:cNvPr id="4" name="Slide Number Placeholder 3"/>
+          <p:cNvSpPr>
+            <a:spLocks noGrp="1"/>
+          </p:cNvSpPr>
+          <p:nvPr>
+            <p:ph type="sldNum" sz="quarter" idx="5"/>
+          </p:nvPr>
+        </p:nvSpPr>
+        <p:spPr/>
+        <p:txBody>
+          <a:bodyPr/>
+          <a:lstStyle/>
+          <a:p>
+            <a:fld id="{3148858F-F1DB-4027-9C85-CCA6849540DD}" type="slidenum">
+              <a:rPr lang="en-US" smtClean="0"/>
+              <a:t>9</a:t>
+            </a:fld>
+            <a:endParaRPr lang="en-US"/>
+          </a:p>
+        </p:txBody>
+      </p:sp>
+    </p:spTree>
+    <p:extLst>
+      <p:ext uri="{BB962C8B-B14F-4D97-AF65-F5344CB8AC3E}">
+        <p14:creationId xmlns:p14="http://schemas.microsoft.com/office/powerpoint/2010/main" val="2099479675"/>
       </p:ext>
     </p:extLst>
   </p:cSld>
@@ -1760,7 +2365,7 @@
           <a:p>
             <a:fld id="{C3F78080-8D0A-4BE8-A5B4-CB115102D524}" type="datetimeFigureOut">
               <a:rPr lang="en-US" smtClean="0"/>
-              <a:t>9/24/2021</a:t>
+              <a:t>9/23/2021</a:t>
             </a:fld>
             <a:endParaRPr lang="en-US"/>
           </a:p>
@@ -1958,7 +2563,7 @@
           <a:p>
             <a:fld id="{C3F78080-8D0A-4BE8-A5B4-CB115102D524}" type="datetimeFigureOut">
               <a:rPr lang="en-US" smtClean="0"/>
-              <a:t>9/24/2021</a:t>
+              <a:t>9/23/2021</a:t>
             </a:fld>
             <a:endParaRPr lang="en-US"/>
           </a:p>
@@ -2166,7 +2771,7 @@
           <a:p>
             <a:fld id="{C3F78080-8D0A-4BE8-A5B4-CB115102D524}" type="datetimeFigureOut">
               <a:rPr lang="en-US" smtClean="0"/>
-              <a:t>9/24/2021</a:t>
+              <a:t>9/23/2021</a:t>
             </a:fld>
             <a:endParaRPr lang="en-US"/>
           </a:p>
@@ -2364,7 +2969,7 @@
           <a:p>
             <a:fld id="{C3F78080-8D0A-4BE8-A5B4-CB115102D524}" type="datetimeFigureOut">
               <a:rPr lang="en-US" smtClean="0"/>
-              <a:t>9/24/2021</a:t>
+              <a:t>9/23/2021</a:t>
             </a:fld>
             <a:endParaRPr lang="en-US"/>
           </a:p>
@@ -2639,7 +3244,7 @@
           <a:p>
             <a:fld id="{C3F78080-8D0A-4BE8-A5B4-CB115102D524}" type="datetimeFigureOut">
               <a:rPr lang="en-US" smtClean="0"/>
-              <a:t>9/24/2021</a:t>
+              <a:t>9/23/2021</a:t>
             </a:fld>
             <a:endParaRPr lang="en-US"/>
           </a:p>
@@ -2904,7 +3509,7 @@
           <a:p>
             <a:fld id="{C3F78080-8D0A-4BE8-A5B4-CB115102D524}" type="datetimeFigureOut">
               <a:rPr lang="en-US" smtClean="0"/>
-              <a:t>9/24/2021</a:t>
+              <a:t>9/23/2021</a:t>
             </a:fld>
             <a:endParaRPr lang="en-US"/>
           </a:p>
@@ -3316,7 +3921,7 @@
           <a:p>
             <a:fld id="{C3F78080-8D0A-4BE8-A5B4-CB115102D524}" type="datetimeFigureOut">
               <a:rPr lang="en-US" smtClean="0"/>
-              <a:t>9/24/2021</a:t>
+              <a:t>9/23/2021</a:t>
             </a:fld>
             <a:endParaRPr lang="en-US"/>
           </a:p>
@@ -3457,7 +4062,7 @@
           <a:p>
             <a:fld id="{C3F78080-8D0A-4BE8-A5B4-CB115102D524}" type="datetimeFigureOut">
               <a:rPr lang="en-US" smtClean="0"/>
-              <a:t>9/24/2021</a:t>
+              <a:t>9/23/2021</a:t>
             </a:fld>
             <a:endParaRPr lang="en-US"/>
           </a:p>
@@ -3570,7 +4175,7 @@
           <a:p>
             <a:fld id="{C3F78080-8D0A-4BE8-A5B4-CB115102D524}" type="datetimeFigureOut">
               <a:rPr lang="en-US" smtClean="0"/>
-              <a:t>9/24/2021</a:t>
+              <a:t>9/23/2021</a:t>
             </a:fld>
             <a:endParaRPr lang="en-US"/>
           </a:p>
@@ -3881,7 +4486,7 @@
           <a:p>
             <a:fld id="{C3F78080-8D0A-4BE8-A5B4-CB115102D524}" type="datetimeFigureOut">
               <a:rPr lang="en-US" smtClean="0"/>
-              <a:t>9/24/2021</a:t>
+              <a:t>9/23/2021</a:t>
             </a:fld>
             <a:endParaRPr lang="en-US"/>
           </a:p>
@@ -4169,7 +4774,7 @@
           <a:p>
             <a:fld id="{C3F78080-8D0A-4BE8-A5B4-CB115102D524}" type="datetimeFigureOut">
               <a:rPr lang="en-US" smtClean="0"/>
-              <a:t>9/24/2021</a:t>
+              <a:t>9/23/2021</a:t>
             </a:fld>
             <a:endParaRPr lang="en-US"/>
           </a:p>
@@ -4410,7 +5015,7 @@
           <a:p>
             <a:fld id="{C3F78080-8D0A-4BE8-A5B4-CB115102D524}" type="datetimeFigureOut">
               <a:rPr lang="en-US" smtClean="0"/>
-              <a:t>9/24/2021</a:t>
+              <a:t>9/23/2021</a:t>
             </a:fld>
             <a:endParaRPr lang="en-US"/>
           </a:p>
@@ -4924,6 +5529,1266 @@
 </p:sld>
 </file>
 
+<file path=ppt/slides/slide10.xml><?xml version="1.0" encoding="utf-8"?>
+<p:sld xmlns:a="http://schemas.openxmlformats.org/drawingml/2006/main" xmlns:r="http://schemas.openxmlformats.org/officeDocument/2006/relationships" xmlns:p="http://schemas.openxmlformats.org/presentationml/2006/main">
+  <p:cSld>
+    <p:spTree>
+      <p:nvGrpSpPr>
+        <p:cNvPr id="1" name=""/>
+        <p:cNvGrpSpPr/>
+        <p:nvPr/>
+      </p:nvGrpSpPr>
+      <p:grpSpPr>
+        <a:xfrm>
+          <a:off x="0" y="0"/>
+          <a:ext cx="0" cy="0"/>
+          <a:chOff x="0" y="0"/>
+          <a:chExt cx="0" cy="0"/>
+        </a:xfrm>
+      </p:grpSpPr>
+      <p:pic>
+        <p:nvPicPr>
+          <p:cNvPr id="2050" name="Picture 2" descr="f22002">
+            <a:extLst>
+              <a:ext uri="{FF2B5EF4-FFF2-40B4-BE49-F238E27FC236}">
+                <a16:creationId xmlns:a16="http://schemas.microsoft.com/office/drawing/2014/main" id="{2C35658F-F508-4ECF-BD5B-D917DFF489E8}"/>
+              </a:ext>
+            </a:extLst>
+          </p:cNvPr>
+          <p:cNvPicPr>
+            <a:picLocks noChangeAspect="1" noChangeArrowheads="1"/>
+          </p:cNvPicPr>
+          <p:nvPr/>
+        </p:nvPicPr>
+        <p:blipFill>
+          <a:blip r:embed="rId3">
+            <a:extLst>
+              <a:ext uri="{28A0092B-C50C-407E-A947-70E740481C1C}">
+                <a14:useLocalDpi xmlns:a14="http://schemas.microsoft.com/office/drawing/2010/main" val="0"/>
+              </a:ext>
+            </a:extLst>
+          </a:blip>
+          <a:srcRect/>
+          <a:stretch>
+            <a:fillRect/>
+          </a:stretch>
+        </p:blipFill>
+        <p:spPr bwMode="auto">
+          <a:xfrm>
+            <a:off x="3152775" y="1533525"/>
+            <a:ext cx="5886450" cy="3790950"/>
+          </a:xfrm>
+          <a:prstGeom prst="rect">
+            <a:avLst/>
+          </a:prstGeom>
+          <a:noFill/>
+          <a:extLst>
+            <a:ext uri="{909E8E84-426E-40DD-AFC4-6F175D3DCCD1}">
+              <a14:hiddenFill xmlns:a14="http://schemas.microsoft.com/office/drawing/2010/main">
+                <a:solidFill>
+                  <a:srgbClr val="FFFFFF"/>
+                </a:solidFill>
+              </a14:hiddenFill>
+            </a:ext>
+          </a:extLst>
+        </p:spPr>
+      </p:pic>
+      <p:sp>
+        <p:nvSpPr>
+          <p:cNvPr id="3" name="TextBox 2">
+            <a:extLst>
+              <a:ext uri="{FF2B5EF4-FFF2-40B4-BE49-F238E27FC236}">
+                <a16:creationId xmlns:a16="http://schemas.microsoft.com/office/drawing/2014/main" id="{850DD902-0BF5-4E01-BF85-C8B6844B320D}"/>
+              </a:ext>
+            </a:extLst>
+          </p:cNvPr>
+          <p:cNvSpPr txBox="1"/>
+          <p:nvPr/>
+        </p:nvSpPr>
+        <p:spPr>
+          <a:xfrm>
+            <a:off x="0" y="6550223"/>
+            <a:ext cx="12192000" cy="307777"/>
+          </a:xfrm>
+          <a:prstGeom prst="rect">
+            <a:avLst/>
+          </a:prstGeom>
+          <a:noFill/>
+        </p:spPr>
+        <p:txBody>
+          <a:bodyPr wrap="square" rtlCol="0">
+            <a:spAutoFit/>
+          </a:bodyPr>
+          <a:lstStyle/>
+          <a:p>
+            <a:r>
+              <a:rPr lang="en-US" sz="1400" dirty="0">
+                <a:solidFill>
+                  <a:schemeClr val="tx1">
+                    <a:lumMod val="65000"/>
+                    <a:lumOff val="35000"/>
+                  </a:schemeClr>
+                </a:solidFill>
+                <a:latin typeface="+mj-lt"/>
+                <a:ea typeface="Verdana" panose="020B0604030504040204" pitchFamily="34" charset="0"/>
+              </a:rPr>
+              <a:t>Source: Glassner, A. (2021). </a:t>
+            </a:r>
+            <a:r>
+              <a:rPr lang="en-US" sz="1400" i="1" dirty="0">
+                <a:solidFill>
+                  <a:schemeClr val="tx1">
+                    <a:lumMod val="65000"/>
+                    <a:lumOff val="35000"/>
+                  </a:schemeClr>
+                </a:solidFill>
+                <a:latin typeface="+mj-lt"/>
+                <a:ea typeface="Verdana" panose="020B0604030504040204" pitchFamily="34" charset="0"/>
+              </a:rPr>
+              <a:t>Deep learning: A visual approach</a:t>
+            </a:r>
+            <a:r>
+              <a:rPr lang="en-US" sz="1400" dirty="0">
+                <a:solidFill>
+                  <a:schemeClr val="tx1">
+                    <a:lumMod val="65000"/>
+                    <a:lumOff val="35000"/>
+                  </a:schemeClr>
+                </a:solidFill>
+                <a:latin typeface="+mj-lt"/>
+                <a:ea typeface="Verdana" panose="020B0604030504040204" pitchFamily="34" charset="0"/>
+              </a:rPr>
+              <a:t>. </a:t>
+            </a:r>
+            <a:r>
+              <a:rPr lang="en-US" sz="1400" b="0" i="0" dirty="0">
+                <a:solidFill>
+                  <a:schemeClr val="tx1">
+                    <a:lumMod val="65000"/>
+                    <a:lumOff val="35000"/>
+                  </a:schemeClr>
+                </a:solidFill>
+                <a:effectLst/>
+                <a:latin typeface="+mj-lt"/>
+                <a:ea typeface="Verdana" panose="020B0604030504040204" pitchFamily="34" charset="0"/>
+              </a:rPr>
+              <a:t>San Francisco, CA: </a:t>
+            </a:r>
+            <a:r>
+              <a:rPr lang="en-US" sz="1400" dirty="0">
+                <a:solidFill>
+                  <a:schemeClr val="tx1">
+                    <a:lumMod val="65000"/>
+                    <a:lumOff val="35000"/>
+                  </a:schemeClr>
+                </a:solidFill>
+                <a:latin typeface="+mj-lt"/>
+                <a:ea typeface="Verdana" panose="020B0604030504040204" pitchFamily="34" charset="0"/>
+              </a:rPr>
+              <a:t>No Starch Press</a:t>
+            </a:r>
+            <a:r>
+              <a:rPr lang="en-US" sz="1400" b="0" i="0" dirty="0">
+                <a:solidFill>
+                  <a:schemeClr val="tx1">
+                    <a:lumMod val="65000"/>
+                    <a:lumOff val="35000"/>
+                  </a:schemeClr>
+                </a:solidFill>
+                <a:effectLst/>
+                <a:latin typeface="+mj-lt"/>
+                <a:ea typeface="Verdana" panose="020B0604030504040204" pitchFamily="34" charset="0"/>
+              </a:rPr>
+              <a:t>.</a:t>
+            </a:r>
+            <a:endParaRPr lang="en-US" sz="1400" dirty="0">
+              <a:solidFill>
+                <a:schemeClr val="tx1">
+                  <a:lumMod val="65000"/>
+                  <a:lumOff val="35000"/>
+                </a:schemeClr>
+              </a:solidFill>
+              <a:latin typeface="+mj-lt"/>
+              <a:ea typeface="Verdana" panose="020B0604030504040204" pitchFamily="34" charset="0"/>
+            </a:endParaRPr>
+          </a:p>
+        </p:txBody>
+      </p:sp>
+    </p:spTree>
+    <p:extLst>
+      <p:ext uri="{BB962C8B-B14F-4D97-AF65-F5344CB8AC3E}">
+        <p14:creationId xmlns:p14="http://schemas.microsoft.com/office/powerpoint/2010/main" val="3202417060"/>
+      </p:ext>
+    </p:extLst>
+  </p:cSld>
+  <p:clrMapOvr>
+    <a:masterClrMapping/>
+  </p:clrMapOvr>
+  <mc:AlternateContent xmlns:mc="http://schemas.openxmlformats.org/markup-compatibility/2006" xmlns:p14="http://schemas.microsoft.com/office/powerpoint/2010/main">
+    <mc:Choice Requires="p14">
+      <p:transition spd="slow" p14:dur="3400">
+        <p14:reveal/>
+      </p:transition>
+    </mc:Choice>
+    <mc:Fallback xmlns="">
+      <p:transition spd="slow">
+        <p:fade/>
+      </p:transition>
+    </mc:Fallback>
+  </mc:AlternateContent>
+</p:sld>
+</file>
+
+<file path=ppt/slides/slide11.xml><?xml version="1.0" encoding="utf-8"?>
+<p:sld xmlns:a="http://schemas.openxmlformats.org/drawingml/2006/main" xmlns:r="http://schemas.openxmlformats.org/officeDocument/2006/relationships" xmlns:p="http://schemas.openxmlformats.org/presentationml/2006/main">
+  <p:cSld>
+    <p:spTree>
+      <p:nvGrpSpPr>
+        <p:cNvPr id="1" name=""/>
+        <p:cNvGrpSpPr/>
+        <p:nvPr/>
+      </p:nvGrpSpPr>
+      <p:grpSpPr>
+        <a:xfrm>
+          <a:off x="0" y="0"/>
+          <a:ext cx="0" cy="0"/>
+          <a:chOff x="0" y="0"/>
+          <a:chExt cx="0" cy="0"/>
+        </a:xfrm>
+      </p:grpSpPr>
+      <p:pic>
+        <p:nvPicPr>
+          <p:cNvPr id="5122" name="Picture 2" descr="f22003">
+            <a:extLst>
+              <a:ext uri="{FF2B5EF4-FFF2-40B4-BE49-F238E27FC236}">
+                <a16:creationId xmlns:a16="http://schemas.microsoft.com/office/drawing/2014/main" id="{91450248-19D0-4021-8158-064BC06D5DF7}"/>
+              </a:ext>
+            </a:extLst>
+          </p:cNvPr>
+          <p:cNvPicPr>
+            <a:picLocks noChangeAspect="1" noChangeArrowheads="1"/>
+          </p:cNvPicPr>
+          <p:nvPr/>
+        </p:nvPicPr>
+        <p:blipFill>
+          <a:blip r:embed="rId3">
+            <a:extLst>
+              <a:ext uri="{28A0092B-C50C-407E-A947-70E740481C1C}">
+                <a14:useLocalDpi xmlns:a14="http://schemas.microsoft.com/office/drawing/2010/main" val="0"/>
+              </a:ext>
+            </a:extLst>
+          </a:blip>
+          <a:srcRect/>
+          <a:stretch>
+            <a:fillRect/>
+          </a:stretch>
+        </p:blipFill>
+        <p:spPr bwMode="auto">
+          <a:xfrm>
+            <a:off x="2181225" y="2433638"/>
+            <a:ext cx="7829550" cy="1990725"/>
+          </a:xfrm>
+          <a:prstGeom prst="rect">
+            <a:avLst/>
+          </a:prstGeom>
+          <a:noFill/>
+          <a:extLst>
+            <a:ext uri="{909E8E84-426E-40DD-AFC4-6F175D3DCCD1}">
+              <a14:hiddenFill xmlns:a14="http://schemas.microsoft.com/office/drawing/2010/main">
+                <a:solidFill>
+                  <a:srgbClr val="FFFFFF"/>
+                </a:solidFill>
+              </a14:hiddenFill>
+            </a:ext>
+          </a:extLst>
+        </p:spPr>
+      </p:pic>
+      <p:sp>
+        <p:nvSpPr>
+          <p:cNvPr id="4" name="TextBox 3">
+            <a:extLst>
+              <a:ext uri="{FF2B5EF4-FFF2-40B4-BE49-F238E27FC236}">
+                <a16:creationId xmlns:a16="http://schemas.microsoft.com/office/drawing/2014/main" id="{F2AEC3A6-CE44-4905-B57A-664A8F5B37FD}"/>
+              </a:ext>
+            </a:extLst>
+          </p:cNvPr>
+          <p:cNvSpPr txBox="1"/>
+          <p:nvPr/>
+        </p:nvSpPr>
+        <p:spPr>
+          <a:xfrm>
+            <a:off x="0" y="6550223"/>
+            <a:ext cx="12192000" cy="307777"/>
+          </a:xfrm>
+          <a:prstGeom prst="rect">
+            <a:avLst/>
+          </a:prstGeom>
+          <a:noFill/>
+        </p:spPr>
+        <p:txBody>
+          <a:bodyPr wrap="square" rtlCol="0">
+            <a:spAutoFit/>
+          </a:bodyPr>
+          <a:lstStyle/>
+          <a:p>
+            <a:r>
+              <a:rPr lang="en-US" sz="1400" dirty="0">
+                <a:solidFill>
+                  <a:schemeClr val="tx1">
+                    <a:lumMod val="65000"/>
+                    <a:lumOff val="35000"/>
+                  </a:schemeClr>
+                </a:solidFill>
+                <a:latin typeface="+mj-lt"/>
+                <a:ea typeface="Verdana" panose="020B0604030504040204" pitchFamily="34" charset="0"/>
+              </a:rPr>
+              <a:t>Source: Glassner, A. (2021). </a:t>
+            </a:r>
+            <a:r>
+              <a:rPr lang="en-US" sz="1400" i="1" dirty="0">
+                <a:solidFill>
+                  <a:schemeClr val="tx1">
+                    <a:lumMod val="65000"/>
+                    <a:lumOff val="35000"/>
+                  </a:schemeClr>
+                </a:solidFill>
+                <a:latin typeface="+mj-lt"/>
+                <a:ea typeface="Verdana" panose="020B0604030504040204" pitchFamily="34" charset="0"/>
+              </a:rPr>
+              <a:t>Deep learning: A visual approach</a:t>
+            </a:r>
+            <a:r>
+              <a:rPr lang="en-US" sz="1400" dirty="0">
+                <a:solidFill>
+                  <a:schemeClr val="tx1">
+                    <a:lumMod val="65000"/>
+                    <a:lumOff val="35000"/>
+                  </a:schemeClr>
+                </a:solidFill>
+                <a:latin typeface="+mj-lt"/>
+                <a:ea typeface="Verdana" panose="020B0604030504040204" pitchFamily="34" charset="0"/>
+              </a:rPr>
+              <a:t>. </a:t>
+            </a:r>
+            <a:r>
+              <a:rPr lang="en-US" sz="1400" b="0" i="0" dirty="0">
+                <a:solidFill>
+                  <a:schemeClr val="tx1">
+                    <a:lumMod val="65000"/>
+                    <a:lumOff val="35000"/>
+                  </a:schemeClr>
+                </a:solidFill>
+                <a:effectLst/>
+                <a:latin typeface="+mj-lt"/>
+                <a:ea typeface="Verdana" panose="020B0604030504040204" pitchFamily="34" charset="0"/>
+              </a:rPr>
+              <a:t>San Francisco, CA: </a:t>
+            </a:r>
+            <a:r>
+              <a:rPr lang="en-US" sz="1400" dirty="0">
+                <a:solidFill>
+                  <a:schemeClr val="tx1">
+                    <a:lumMod val="65000"/>
+                    <a:lumOff val="35000"/>
+                  </a:schemeClr>
+                </a:solidFill>
+                <a:latin typeface="+mj-lt"/>
+                <a:ea typeface="Verdana" panose="020B0604030504040204" pitchFamily="34" charset="0"/>
+              </a:rPr>
+              <a:t>No Starch Press</a:t>
+            </a:r>
+            <a:r>
+              <a:rPr lang="en-US" sz="1400" b="0" i="0" dirty="0">
+                <a:solidFill>
+                  <a:schemeClr val="tx1">
+                    <a:lumMod val="65000"/>
+                    <a:lumOff val="35000"/>
+                  </a:schemeClr>
+                </a:solidFill>
+                <a:effectLst/>
+                <a:latin typeface="+mj-lt"/>
+                <a:ea typeface="Verdana" panose="020B0604030504040204" pitchFamily="34" charset="0"/>
+              </a:rPr>
+              <a:t>.</a:t>
+            </a:r>
+            <a:endParaRPr lang="en-US" sz="1400" dirty="0">
+              <a:solidFill>
+                <a:schemeClr val="tx1">
+                  <a:lumMod val="65000"/>
+                  <a:lumOff val="35000"/>
+                </a:schemeClr>
+              </a:solidFill>
+              <a:latin typeface="+mj-lt"/>
+              <a:ea typeface="Verdana" panose="020B0604030504040204" pitchFamily="34" charset="0"/>
+            </a:endParaRPr>
+          </a:p>
+        </p:txBody>
+      </p:sp>
+    </p:spTree>
+    <p:extLst>
+      <p:ext uri="{BB962C8B-B14F-4D97-AF65-F5344CB8AC3E}">
+        <p14:creationId xmlns:p14="http://schemas.microsoft.com/office/powerpoint/2010/main" val="81095591"/>
+      </p:ext>
+    </p:extLst>
+  </p:cSld>
+  <p:clrMapOvr>
+    <a:masterClrMapping/>
+  </p:clrMapOvr>
+  <mc:AlternateContent xmlns:mc="http://schemas.openxmlformats.org/markup-compatibility/2006" xmlns:p14="http://schemas.microsoft.com/office/powerpoint/2010/main">
+    <mc:Choice Requires="p14">
+      <p:transition spd="slow" p14:dur="3400">
+        <p14:reveal/>
+      </p:transition>
+    </mc:Choice>
+    <mc:Fallback xmlns="">
+      <p:transition spd="slow">
+        <p:fade/>
+      </p:transition>
+    </mc:Fallback>
+  </mc:AlternateContent>
+</p:sld>
+</file>
+
+<file path=ppt/slides/slide12.xml><?xml version="1.0" encoding="utf-8"?>
+<p:sld xmlns:a="http://schemas.openxmlformats.org/drawingml/2006/main" xmlns:r="http://schemas.openxmlformats.org/officeDocument/2006/relationships" xmlns:p="http://schemas.openxmlformats.org/presentationml/2006/main">
+  <p:cSld>
+    <p:spTree>
+      <p:nvGrpSpPr>
+        <p:cNvPr id="1" name=""/>
+        <p:cNvGrpSpPr/>
+        <p:nvPr/>
+      </p:nvGrpSpPr>
+      <p:grpSpPr>
+        <a:xfrm>
+          <a:off x="0" y="0"/>
+          <a:ext cx="0" cy="0"/>
+          <a:chOff x="0" y="0"/>
+          <a:chExt cx="0" cy="0"/>
+        </a:xfrm>
+      </p:grpSpPr>
+      <p:pic>
+        <p:nvPicPr>
+          <p:cNvPr id="7170" name="Picture 2" descr="f22004">
+            <a:extLst>
+              <a:ext uri="{FF2B5EF4-FFF2-40B4-BE49-F238E27FC236}">
+                <a16:creationId xmlns:a16="http://schemas.microsoft.com/office/drawing/2014/main" id="{07D8913E-88A4-4ACF-9F29-DB65533D68C5}"/>
+              </a:ext>
+            </a:extLst>
+          </p:cNvPr>
+          <p:cNvPicPr>
+            <a:picLocks noChangeAspect="1" noChangeArrowheads="1"/>
+          </p:cNvPicPr>
+          <p:nvPr/>
+        </p:nvPicPr>
+        <p:blipFill>
+          <a:blip r:embed="rId3">
+            <a:extLst>
+              <a:ext uri="{28A0092B-C50C-407E-A947-70E740481C1C}">
+                <a14:useLocalDpi xmlns:a14="http://schemas.microsoft.com/office/drawing/2010/main" val="0"/>
+              </a:ext>
+            </a:extLst>
+          </a:blip>
+          <a:srcRect/>
+          <a:stretch>
+            <a:fillRect/>
+          </a:stretch>
+        </p:blipFill>
+        <p:spPr bwMode="auto">
+          <a:xfrm>
+            <a:off x="2819400" y="2133600"/>
+            <a:ext cx="6553200" cy="2590800"/>
+          </a:xfrm>
+          <a:prstGeom prst="rect">
+            <a:avLst/>
+          </a:prstGeom>
+          <a:noFill/>
+          <a:extLst>
+            <a:ext uri="{909E8E84-426E-40DD-AFC4-6F175D3DCCD1}">
+              <a14:hiddenFill xmlns:a14="http://schemas.microsoft.com/office/drawing/2010/main">
+                <a:solidFill>
+                  <a:srgbClr val="FFFFFF"/>
+                </a:solidFill>
+              </a14:hiddenFill>
+            </a:ext>
+          </a:extLst>
+        </p:spPr>
+      </p:pic>
+      <p:sp>
+        <p:nvSpPr>
+          <p:cNvPr id="3" name="TextBox 2">
+            <a:extLst>
+              <a:ext uri="{FF2B5EF4-FFF2-40B4-BE49-F238E27FC236}">
+                <a16:creationId xmlns:a16="http://schemas.microsoft.com/office/drawing/2014/main" id="{5FCE86E8-86FD-456E-959B-138B4B597AE0}"/>
+              </a:ext>
+            </a:extLst>
+          </p:cNvPr>
+          <p:cNvSpPr txBox="1"/>
+          <p:nvPr/>
+        </p:nvSpPr>
+        <p:spPr>
+          <a:xfrm>
+            <a:off x="0" y="6550223"/>
+            <a:ext cx="12192000" cy="307777"/>
+          </a:xfrm>
+          <a:prstGeom prst="rect">
+            <a:avLst/>
+          </a:prstGeom>
+          <a:noFill/>
+        </p:spPr>
+        <p:txBody>
+          <a:bodyPr wrap="square" rtlCol="0">
+            <a:spAutoFit/>
+          </a:bodyPr>
+          <a:lstStyle/>
+          <a:p>
+            <a:r>
+              <a:rPr lang="en-US" sz="1400" dirty="0">
+                <a:solidFill>
+                  <a:schemeClr val="tx1">
+                    <a:lumMod val="65000"/>
+                    <a:lumOff val="35000"/>
+                  </a:schemeClr>
+                </a:solidFill>
+                <a:latin typeface="+mj-lt"/>
+                <a:ea typeface="Verdana" panose="020B0604030504040204" pitchFamily="34" charset="0"/>
+              </a:rPr>
+              <a:t>Source: Glassner, A. (2021). </a:t>
+            </a:r>
+            <a:r>
+              <a:rPr lang="en-US" sz="1400" i="1" dirty="0">
+                <a:solidFill>
+                  <a:schemeClr val="tx1">
+                    <a:lumMod val="65000"/>
+                    <a:lumOff val="35000"/>
+                  </a:schemeClr>
+                </a:solidFill>
+                <a:latin typeface="+mj-lt"/>
+                <a:ea typeface="Verdana" panose="020B0604030504040204" pitchFamily="34" charset="0"/>
+              </a:rPr>
+              <a:t>Deep learning: A visual approach</a:t>
+            </a:r>
+            <a:r>
+              <a:rPr lang="en-US" sz="1400" dirty="0">
+                <a:solidFill>
+                  <a:schemeClr val="tx1">
+                    <a:lumMod val="65000"/>
+                    <a:lumOff val="35000"/>
+                  </a:schemeClr>
+                </a:solidFill>
+                <a:latin typeface="+mj-lt"/>
+                <a:ea typeface="Verdana" panose="020B0604030504040204" pitchFamily="34" charset="0"/>
+              </a:rPr>
+              <a:t>. </a:t>
+            </a:r>
+            <a:r>
+              <a:rPr lang="en-US" sz="1400" b="0" i="0" dirty="0">
+                <a:solidFill>
+                  <a:schemeClr val="tx1">
+                    <a:lumMod val="65000"/>
+                    <a:lumOff val="35000"/>
+                  </a:schemeClr>
+                </a:solidFill>
+                <a:effectLst/>
+                <a:latin typeface="+mj-lt"/>
+                <a:ea typeface="Verdana" panose="020B0604030504040204" pitchFamily="34" charset="0"/>
+              </a:rPr>
+              <a:t>San Francisco, CA: </a:t>
+            </a:r>
+            <a:r>
+              <a:rPr lang="en-US" sz="1400" dirty="0">
+                <a:solidFill>
+                  <a:schemeClr val="tx1">
+                    <a:lumMod val="65000"/>
+                    <a:lumOff val="35000"/>
+                  </a:schemeClr>
+                </a:solidFill>
+                <a:latin typeface="+mj-lt"/>
+                <a:ea typeface="Verdana" panose="020B0604030504040204" pitchFamily="34" charset="0"/>
+              </a:rPr>
+              <a:t>No Starch Press</a:t>
+            </a:r>
+            <a:r>
+              <a:rPr lang="en-US" sz="1400" b="0" i="0" dirty="0">
+                <a:solidFill>
+                  <a:schemeClr val="tx1">
+                    <a:lumMod val="65000"/>
+                    <a:lumOff val="35000"/>
+                  </a:schemeClr>
+                </a:solidFill>
+                <a:effectLst/>
+                <a:latin typeface="+mj-lt"/>
+                <a:ea typeface="Verdana" panose="020B0604030504040204" pitchFamily="34" charset="0"/>
+              </a:rPr>
+              <a:t>.</a:t>
+            </a:r>
+            <a:endParaRPr lang="en-US" sz="1400" dirty="0">
+              <a:solidFill>
+                <a:schemeClr val="tx1">
+                  <a:lumMod val="65000"/>
+                  <a:lumOff val="35000"/>
+                </a:schemeClr>
+              </a:solidFill>
+              <a:latin typeface="+mj-lt"/>
+              <a:ea typeface="Verdana" panose="020B0604030504040204" pitchFamily="34" charset="0"/>
+            </a:endParaRPr>
+          </a:p>
+        </p:txBody>
+      </p:sp>
+    </p:spTree>
+    <p:extLst>
+      <p:ext uri="{BB962C8B-B14F-4D97-AF65-F5344CB8AC3E}">
+        <p14:creationId xmlns:p14="http://schemas.microsoft.com/office/powerpoint/2010/main" val="2856936516"/>
+      </p:ext>
+    </p:extLst>
+  </p:cSld>
+  <p:clrMapOvr>
+    <a:masterClrMapping/>
+  </p:clrMapOvr>
+  <mc:AlternateContent xmlns:mc="http://schemas.openxmlformats.org/markup-compatibility/2006" xmlns:p14="http://schemas.microsoft.com/office/powerpoint/2010/main">
+    <mc:Choice Requires="p14">
+      <p:transition spd="slow" p14:dur="3400">
+        <p14:reveal/>
+      </p:transition>
+    </mc:Choice>
+    <mc:Fallback xmlns="">
+      <p:transition spd="slow">
+        <p:fade/>
+      </p:transition>
+    </mc:Fallback>
+  </mc:AlternateContent>
+</p:sld>
+</file>
+
+<file path=ppt/slides/slide13.xml><?xml version="1.0" encoding="utf-8"?>
+<p:sld xmlns:a="http://schemas.openxmlformats.org/drawingml/2006/main" xmlns:r="http://schemas.openxmlformats.org/officeDocument/2006/relationships" xmlns:p="http://schemas.openxmlformats.org/presentationml/2006/main">
+  <p:cSld>
+    <p:spTree>
+      <p:nvGrpSpPr>
+        <p:cNvPr id="1" name=""/>
+        <p:cNvGrpSpPr/>
+        <p:nvPr/>
+      </p:nvGrpSpPr>
+      <p:grpSpPr>
+        <a:xfrm>
+          <a:off x="0" y="0"/>
+          <a:ext cx="0" cy="0"/>
+          <a:chOff x="0" y="0"/>
+          <a:chExt cx="0" cy="0"/>
+        </a:xfrm>
+      </p:grpSpPr>
+      <p:pic>
+        <p:nvPicPr>
+          <p:cNvPr id="6146" name="Picture 2" descr="f22005">
+            <a:extLst>
+              <a:ext uri="{FF2B5EF4-FFF2-40B4-BE49-F238E27FC236}">
+                <a16:creationId xmlns:a16="http://schemas.microsoft.com/office/drawing/2014/main" id="{2AF8C79F-78DD-45A2-A9B1-087A8B3EF393}"/>
+              </a:ext>
+            </a:extLst>
+          </p:cNvPr>
+          <p:cNvPicPr>
+            <a:picLocks noChangeAspect="1" noChangeArrowheads="1"/>
+          </p:cNvPicPr>
+          <p:nvPr/>
+        </p:nvPicPr>
+        <p:blipFill>
+          <a:blip r:embed="rId3">
+            <a:extLst>
+              <a:ext uri="{28A0092B-C50C-407E-A947-70E740481C1C}">
+                <a14:useLocalDpi xmlns:a14="http://schemas.microsoft.com/office/drawing/2010/main" val="0"/>
+              </a:ext>
+            </a:extLst>
+          </a:blip>
+          <a:srcRect/>
+          <a:stretch>
+            <a:fillRect/>
+          </a:stretch>
+        </p:blipFill>
+        <p:spPr bwMode="auto">
+          <a:xfrm>
+            <a:off x="2071688" y="2205038"/>
+            <a:ext cx="8048625" cy="2447925"/>
+          </a:xfrm>
+          <a:prstGeom prst="rect">
+            <a:avLst/>
+          </a:prstGeom>
+          <a:noFill/>
+          <a:extLst>
+            <a:ext uri="{909E8E84-426E-40DD-AFC4-6F175D3DCCD1}">
+              <a14:hiddenFill xmlns:a14="http://schemas.microsoft.com/office/drawing/2010/main">
+                <a:solidFill>
+                  <a:srgbClr val="FFFFFF"/>
+                </a:solidFill>
+              </a14:hiddenFill>
+            </a:ext>
+          </a:extLst>
+        </p:spPr>
+      </p:pic>
+      <p:sp>
+        <p:nvSpPr>
+          <p:cNvPr id="3" name="TextBox 2">
+            <a:extLst>
+              <a:ext uri="{FF2B5EF4-FFF2-40B4-BE49-F238E27FC236}">
+                <a16:creationId xmlns:a16="http://schemas.microsoft.com/office/drawing/2014/main" id="{0372B3BB-049D-411B-BF21-FDA88AB7DA1F}"/>
+              </a:ext>
+            </a:extLst>
+          </p:cNvPr>
+          <p:cNvSpPr txBox="1"/>
+          <p:nvPr/>
+        </p:nvSpPr>
+        <p:spPr>
+          <a:xfrm>
+            <a:off x="0" y="6550223"/>
+            <a:ext cx="12192000" cy="307777"/>
+          </a:xfrm>
+          <a:prstGeom prst="rect">
+            <a:avLst/>
+          </a:prstGeom>
+          <a:noFill/>
+        </p:spPr>
+        <p:txBody>
+          <a:bodyPr wrap="square" rtlCol="0">
+            <a:spAutoFit/>
+          </a:bodyPr>
+          <a:lstStyle/>
+          <a:p>
+            <a:r>
+              <a:rPr lang="en-US" sz="1400" dirty="0">
+                <a:solidFill>
+                  <a:schemeClr val="tx1">
+                    <a:lumMod val="65000"/>
+                    <a:lumOff val="35000"/>
+                  </a:schemeClr>
+                </a:solidFill>
+                <a:latin typeface="+mj-lt"/>
+                <a:ea typeface="Verdana" panose="020B0604030504040204" pitchFamily="34" charset="0"/>
+              </a:rPr>
+              <a:t>Source: Glassner, A. (2021). </a:t>
+            </a:r>
+            <a:r>
+              <a:rPr lang="en-US" sz="1400" i="1" dirty="0">
+                <a:solidFill>
+                  <a:schemeClr val="tx1">
+                    <a:lumMod val="65000"/>
+                    <a:lumOff val="35000"/>
+                  </a:schemeClr>
+                </a:solidFill>
+                <a:latin typeface="+mj-lt"/>
+                <a:ea typeface="Verdana" panose="020B0604030504040204" pitchFamily="34" charset="0"/>
+              </a:rPr>
+              <a:t>Deep learning: A visual approach</a:t>
+            </a:r>
+            <a:r>
+              <a:rPr lang="en-US" sz="1400" dirty="0">
+                <a:solidFill>
+                  <a:schemeClr val="tx1">
+                    <a:lumMod val="65000"/>
+                    <a:lumOff val="35000"/>
+                  </a:schemeClr>
+                </a:solidFill>
+                <a:latin typeface="+mj-lt"/>
+                <a:ea typeface="Verdana" panose="020B0604030504040204" pitchFamily="34" charset="0"/>
+              </a:rPr>
+              <a:t>. </a:t>
+            </a:r>
+            <a:r>
+              <a:rPr lang="en-US" sz="1400" b="0" i="0" dirty="0">
+                <a:solidFill>
+                  <a:schemeClr val="tx1">
+                    <a:lumMod val="65000"/>
+                    <a:lumOff val="35000"/>
+                  </a:schemeClr>
+                </a:solidFill>
+                <a:effectLst/>
+                <a:latin typeface="+mj-lt"/>
+                <a:ea typeface="Verdana" panose="020B0604030504040204" pitchFamily="34" charset="0"/>
+              </a:rPr>
+              <a:t>San Francisco, CA: </a:t>
+            </a:r>
+            <a:r>
+              <a:rPr lang="en-US" sz="1400" dirty="0">
+                <a:solidFill>
+                  <a:schemeClr val="tx1">
+                    <a:lumMod val="65000"/>
+                    <a:lumOff val="35000"/>
+                  </a:schemeClr>
+                </a:solidFill>
+                <a:latin typeface="+mj-lt"/>
+                <a:ea typeface="Verdana" panose="020B0604030504040204" pitchFamily="34" charset="0"/>
+              </a:rPr>
+              <a:t>No Starch Press</a:t>
+            </a:r>
+            <a:r>
+              <a:rPr lang="en-US" sz="1400" b="0" i="0" dirty="0">
+                <a:solidFill>
+                  <a:schemeClr val="tx1">
+                    <a:lumMod val="65000"/>
+                    <a:lumOff val="35000"/>
+                  </a:schemeClr>
+                </a:solidFill>
+                <a:effectLst/>
+                <a:latin typeface="+mj-lt"/>
+                <a:ea typeface="Verdana" panose="020B0604030504040204" pitchFamily="34" charset="0"/>
+              </a:rPr>
+              <a:t>.</a:t>
+            </a:r>
+            <a:endParaRPr lang="en-US" sz="1400" dirty="0">
+              <a:solidFill>
+                <a:schemeClr val="tx1">
+                  <a:lumMod val="65000"/>
+                  <a:lumOff val="35000"/>
+                </a:schemeClr>
+              </a:solidFill>
+              <a:latin typeface="+mj-lt"/>
+              <a:ea typeface="Verdana" panose="020B0604030504040204" pitchFamily="34" charset="0"/>
+            </a:endParaRPr>
+          </a:p>
+        </p:txBody>
+      </p:sp>
+    </p:spTree>
+    <p:extLst>
+      <p:ext uri="{BB962C8B-B14F-4D97-AF65-F5344CB8AC3E}">
+        <p14:creationId xmlns:p14="http://schemas.microsoft.com/office/powerpoint/2010/main" val="2903324368"/>
+      </p:ext>
+    </p:extLst>
+  </p:cSld>
+  <p:clrMapOvr>
+    <a:masterClrMapping/>
+  </p:clrMapOvr>
+  <mc:AlternateContent xmlns:mc="http://schemas.openxmlformats.org/markup-compatibility/2006" xmlns:p14="http://schemas.microsoft.com/office/powerpoint/2010/main">
+    <mc:Choice Requires="p14">
+      <p:transition spd="slow" p14:dur="3400">
+        <p14:reveal/>
+      </p:transition>
+    </mc:Choice>
+    <mc:Fallback xmlns="">
+      <p:transition spd="slow">
+        <p:fade/>
+      </p:transition>
+    </mc:Fallback>
+  </mc:AlternateContent>
+</p:sld>
+</file>
+
+<file path=ppt/slides/slide14.xml><?xml version="1.0" encoding="utf-8"?>
+<p:sld xmlns:a="http://schemas.openxmlformats.org/drawingml/2006/main" xmlns:r="http://schemas.openxmlformats.org/officeDocument/2006/relationships" xmlns:p="http://schemas.openxmlformats.org/presentationml/2006/main">
+  <p:cSld>
+    <p:spTree>
+      <p:nvGrpSpPr>
+        <p:cNvPr id="1" name=""/>
+        <p:cNvGrpSpPr/>
+        <p:nvPr/>
+      </p:nvGrpSpPr>
+      <p:grpSpPr>
+        <a:xfrm>
+          <a:off x="0" y="0"/>
+          <a:ext cx="0" cy="0"/>
+          <a:chOff x="0" y="0"/>
+          <a:chExt cx="0" cy="0"/>
+        </a:xfrm>
+      </p:grpSpPr>
+      <p:pic>
+        <p:nvPicPr>
+          <p:cNvPr id="8194" name="Picture 2" descr="f22006">
+            <a:extLst>
+              <a:ext uri="{FF2B5EF4-FFF2-40B4-BE49-F238E27FC236}">
+                <a16:creationId xmlns:a16="http://schemas.microsoft.com/office/drawing/2014/main" id="{67233A6F-5459-4561-9316-7C60E3983A8D}"/>
+              </a:ext>
+            </a:extLst>
+          </p:cNvPr>
+          <p:cNvPicPr>
+            <a:picLocks noChangeAspect="1" noChangeArrowheads="1"/>
+          </p:cNvPicPr>
+          <p:nvPr/>
+        </p:nvPicPr>
+        <p:blipFill>
+          <a:blip r:embed="rId3">
+            <a:extLst>
+              <a:ext uri="{28A0092B-C50C-407E-A947-70E740481C1C}">
+                <a14:useLocalDpi xmlns:a14="http://schemas.microsoft.com/office/drawing/2010/main" val="0"/>
+              </a:ext>
+            </a:extLst>
+          </a:blip>
+          <a:srcRect/>
+          <a:stretch>
+            <a:fillRect/>
+          </a:stretch>
+        </p:blipFill>
+        <p:spPr bwMode="auto">
+          <a:xfrm>
+            <a:off x="2081213" y="2224088"/>
+            <a:ext cx="8029575" cy="2409825"/>
+          </a:xfrm>
+          <a:prstGeom prst="rect">
+            <a:avLst/>
+          </a:prstGeom>
+          <a:noFill/>
+          <a:extLst>
+            <a:ext uri="{909E8E84-426E-40DD-AFC4-6F175D3DCCD1}">
+              <a14:hiddenFill xmlns:a14="http://schemas.microsoft.com/office/drawing/2010/main">
+                <a:solidFill>
+                  <a:srgbClr val="FFFFFF"/>
+                </a:solidFill>
+              </a14:hiddenFill>
+            </a:ext>
+          </a:extLst>
+        </p:spPr>
+      </p:pic>
+      <p:sp>
+        <p:nvSpPr>
+          <p:cNvPr id="3" name="TextBox 2">
+            <a:extLst>
+              <a:ext uri="{FF2B5EF4-FFF2-40B4-BE49-F238E27FC236}">
+                <a16:creationId xmlns:a16="http://schemas.microsoft.com/office/drawing/2014/main" id="{10E068AD-F311-40CA-83E9-2923D9135BF1}"/>
+              </a:ext>
+            </a:extLst>
+          </p:cNvPr>
+          <p:cNvSpPr txBox="1"/>
+          <p:nvPr/>
+        </p:nvSpPr>
+        <p:spPr>
+          <a:xfrm>
+            <a:off x="0" y="6550223"/>
+            <a:ext cx="12192000" cy="307777"/>
+          </a:xfrm>
+          <a:prstGeom prst="rect">
+            <a:avLst/>
+          </a:prstGeom>
+          <a:noFill/>
+        </p:spPr>
+        <p:txBody>
+          <a:bodyPr wrap="square" rtlCol="0">
+            <a:spAutoFit/>
+          </a:bodyPr>
+          <a:lstStyle/>
+          <a:p>
+            <a:r>
+              <a:rPr lang="en-US" sz="1400" dirty="0">
+                <a:solidFill>
+                  <a:schemeClr val="tx1">
+                    <a:lumMod val="65000"/>
+                    <a:lumOff val="35000"/>
+                  </a:schemeClr>
+                </a:solidFill>
+                <a:latin typeface="+mj-lt"/>
+                <a:ea typeface="Verdana" panose="020B0604030504040204" pitchFamily="34" charset="0"/>
+              </a:rPr>
+              <a:t>Source: Glassner, A. (2021). </a:t>
+            </a:r>
+            <a:r>
+              <a:rPr lang="en-US" sz="1400" i="1" dirty="0">
+                <a:solidFill>
+                  <a:schemeClr val="tx1">
+                    <a:lumMod val="65000"/>
+                    <a:lumOff val="35000"/>
+                  </a:schemeClr>
+                </a:solidFill>
+                <a:latin typeface="+mj-lt"/>
+                <a:ea typeface="Verdana" panose="020B0604030504040204" pitchFamily="34" charset="0"/>
+              </a:rPr>
+              <a:t>Deep learning: A visual approach</a:t>
+            </a:r>
+            <a:r>
+              <a:rPr lang="en-US" sz="1400" dirty="0">
+                <a:solidFill>
+                  <a:schemeClr val="tx1">
+                    <a:lumMod val="65000"/>
+                    <a:lumOff val="35000"/>
+                  </a:schemeClr>
+                </a:solidFill>
+                <a:latin typeface="+mj-lt"/>
+                <a:ea typeface="Verdana" panose="020B0604030504040204" pitchFamily="34" charset="0"/>
+              </a:rPr>
+              <a:t>. </a:t>
+            </a:r>
+            <a:r>
+              <a:rPr lang="en-US" sz="1400" b="0" i="0" dirty="0">
+                <a:solidFill>
+                  <a:schemeClr val="tx1">
+                    <a:lumMod val="65000"/>
+                    <a:lumOff val="35000"/>
+                  </a:schemeClr>
+                </a:solidFill>
+                <a:effectLst/>
+                <a:latin typeface="+mj-lt"/>
+                <a:ea typeface="Verdana" panose="020B0604030504040204" pitchFamily="34" charset="0"/>
+              </a:rPr>
+              <a:t>San Francisco, CA: </a:t>
+            </a:r>
+            <a:r>
+              <a:rPr lang="en-US" sz="1400" dirty="0">
+                <a:solidFill>
+                  <a:schemeClr val="tx1">
+                    <a:lumMod val="65000"/>
+                    <a:lumOff val="35000"/>
+                  </a:schemeClr>
+                </a:solidFill>
+                <a:latin typeface="+mj-lt"/>
+                <a:ea typeface="Verdana" panose="020B0604030504040204" pitchFamily="34" charset="0"/>
+              </a:rPr>
+              <a:t>No Starch Press</a:t>
+            </a:r>
+            <a:r>
+              <a:rPr lang="en-US" sz="1400" b="0" i="0" dirty="0">
+                <a:solidFill>
+                  <a:schemeClr val="tx1">
+                    <a:lumMod val="65000"/>
+                    <a:lumOff val="35000"/>
+                  </a:schemeClr>
+                </a:solidFill>
+                <a:effectLst/>
+                <a:latin typeface="+mj-lt"/>
+                <a:ea typeface="Verdana" panose="020B0604030504040204" pitchFamily="34" charset="0"/>
+              </a:rPr>
+              <a:t>.</a:t>
+            </a:r>
+            <a:endParaRPr lang="en-US" sz="1400" dirty="0">
+              <a:solidFill>
+                <a:schemeClr val="tx1">
+                  <a:lumMod val="65000"/>
+                  <a:lumOff val="35000"/>
+                </a:schemeClr>
+              </a:solidFill>
+              <a:latin typeface="+mj-lt"/>
+              <a:ea typeface="Verdana" panose="020B0604030504040204" pitchFamily="34" charset="0"/>
+            </a:endParaRPr>
+          </a:p>
+        </p:txBody>
+      </p:sp>
+    </p:spTree>
+    <p:extLst>
+      <p:ext uri="{BB962C8B-B14F-4D97-AF65-F5344CB8AC3E}">
+        <p14:creationId xmlns:p14="http://schemas.microsoft.com/office/powerpoint/2010/main" val="282301914"/>
+      </p:ext>
+    </p:extLst>
+  </p:cSld>
+  <p:clrMapOvr>
+    <a:masterClrMapping/>
+  </p:clrMapOvr>
+  <mc:AlternateContent xmlns:mc="http://schemas.openxmlformats.org/markup-compatibility/2006" xmlns:p14="http://schemas.microsoft.com/office/powerpoint/2010/main">
+    <mc:Choice Requires="p14">
+      <p:transition spd="slow" p14:dur="3400">
+        <p14:reveal/>
+      </p:transition>
+    </mc:Choice>
+    <mc:Fallback xmlns="">
+      <p:transition spd="slow">
+        <p:fade/>
+      </p:transition>
+    </mc:Fallback>
+  </mc:AlternateContent>
+</p:sld>
+</file>
+
+<file path=ppt/slides/slide15.xml><?xml version="1.0" encoding="utf-8"?>
+<p:sld xmlns:a="http://schemas.openxmlformats.org/drawingml/2006/main" xmlns:r="http://schemas.openxmlformats.org/officeDocument/2006/relationships" xmlns:p="http://schemas.openxmlformats.org/presentationml/2006/main">
+  <p:cSld>
+    <p:spTree>
+      <p:nvGrpSpPr>
+        <p:cNvPr id="1" name=""/>
+        <p:cNvGrpSpPr/>
+        <p:nvPr/>
+      </p:nvGrpSpPr>
+      <p:grpSpPr>
+        <a:xfrm>
+          <a:off x="0" y="0"/>
+          <a:ext cx="0" cy="0"/>
+          <a:chOff x="0" y="0"/>
+          <a:chExt cx="0" cy="0"/>
+        </a:xfrm>
+      </p:grpSpPr>
+      <p:pic>
+        <p:nvPicPr>
+          <p:cNvPr id="9218" name="Picture 2" descr="f22007">
+            <a:extLst>
+              <a:ext uri="{FF2B5EF4-FFF2-40B4-BE49-F238E27FC236}">
+                <a16:creationId xmlns:a16="http://schemas.microsoft.com/office/drawing/2014/main" id="{ADB4D1FB-768D-4DEB-8572-501CE13C736B}"/>
+              </a:ext>
+            </a:extLst>
+          </p:cNvPr>
+          <p:cNvPicPr>
+            <a:picLocks noChangeAspect="1" noChangeArrowheads="1"/>
+          </p:cNvPicPr>
+          <p:nvPr/>
+        </p:nvPicPr>
+        <p:blipFill>
+          <a:blip r:embed="rId3">
+            <a:extLst>
+              <a:ext uri="{28A0092B-C50C-407E-A947-70E740481C1C}">
+                <a14:useLocalDpi xmlns:a14="http://schemas.microsoft.com/office/drawing/2010/main" val="0"/>
+              </a:ext>
+            </a:extLst>
+          </a:blip>
+          <a:srcRect/>
+          <a:stretch>
+            <a:fillRect/>
+          </a:stretch>
+        </p:blipFill>
+        <p:spPr bwMode="auto">
+          <a:xfrm>
+            <a:off x="2076450" y="2076450"/>
+            <a:ext cx="8039100" cy="2705100"/>
+          </a:xfrm>
+          <a:prstGeom prst="rect">
+            <a:avLst/>
+          </a:prstGeom>
+          <a:noFill/>
+          <a:extLst>
+            <a:ext uri="{909E8E84-426E-40DD-AFC4-6F175D3DCCD1}">
+              <a14:hiddenFill xmlns:a14="http://schemas.microsoft.com/office/drawing/2010/main">
+                <a:solidFill>
+                  <a:srgbClr val="FFFFFF"/>
+                </a:solidFill>
+              </a14:hiddenFill>
+            </a:ext>
+          </a:extLst>
+        </p:spPr>
+      </p:pic>
+      <p:sp>
+        <p:nvSpPr>
+          <p:cNvPr id="3" name="TextBox 2">
+            <a:extLst>
+              <a:ext uri="{FF2B5EF4-FFF2-40B4-BE49-F238E27FC236}">
+                <a16:creationId xmlns:a16="http://schemas.microsoft.com/office/drawing/2014/main" id="{36581263-0474-411E-B637-D722C348ED1A}"/>
+              </a:ext>
+            </a:extLst>
+          </p:cNvPr>
+          <p:cNvSpPr txBox="1"/>
+          <p:nvPr/>
+        </p:nvSpPr>
+        <p:spPr>
+          <a:xfrm>
+            <a:off x="0" y="6550223"/>
+            <a:ext cx="12192000" cy="307777"/>
+          </a:xfrm>
+          <a:prstGeom prst="rect">
+            <a:avLst/>
+          </a:prstGeom>
+          <a:noFill/>
+        </p:spPr>
+        <p:txBody>
+          <a:bodyPr wrap="square" rtlCol="0">
+            <a:spAutoFit/>
+          </a:bodyPr>
+          <a:lstStyle/>
+          <a:p>
+            <a:r>
+              <a:rPr lang="en-US" sz="1400" dirty="0">
+                <a:solidFill>
+                  <a:schemeClr val="tx1">
+                    <a:lumMod val="65000"/>
+                    <a:lumOff val="35000"/>
+                  </a:schemeClr>
+                </a:solidFill>
+                <a:latin typeface="+mj-lt"/>
+                <a:ea typeface="Verdana" panose="020B0604030504040204" pitchFamily="34" charset="0"/>
+              </a:rPr>
+              <a:t>Source: Glassner, A. (2021). </a:t>
+            </a:r>
+            <a:r>
+              <a:rPr lang="en-US" sz="1400" i="1" dirty="0">
+                <a:solidFill>
+                  <a:schemeClr val="tx1">
+                    <a:lumMod val="65000"/>
+                    <a:lumOff val="35000"/>
+                  </a:schemeClr>
+                </a:solidFill>
+                <a:latin typeface="+mj-lt"/>
+                <a:ea typeface="Verdana" panose="020B0604030504040204" pitchFamily="34" charset="0"/>
+              </a:rPr>
+              <a:t>Deep learning: A visual approach</a:t>
+            </a:r>
+            <a:r>
+              <a:rPr lang="en-US" sz="1400" dirty="0">
+                <a:solidFill>
+                  <a:schemeClr val="tx1">
+                    <a:lumMod val="65000"/>
+                    <a:lumOff val="35000"/>
+                  </a:schemeClr>
+                </a:solidFill>
+                <a:latin typeface="+mj-lt"/>
+                <a:ea typeface="Verdana" panose="020B0604030504040204" pitchFamily="34" charset="0"/>
+              </a:rPr>
+              <a:t>. </a:t>
+            </a:r>
+            <a:r>
+              <a:rPr lang="en-US" sz="1400" b="0" i="0" dirty="0">
+                <a:solidFill>
+                  <a:schemeClr val="tx1">
+                    <a:lumMod val="65000"/>
+                    <a:lumOff val="35000"/>
+                  </a:schemeClr>
+                </a:solidFill>
+                <a:effectLst/>
+                <a:latin typeface="+mj-lt"/>
+                <a:ea typeface="Verdana" panose="020B0604030504040204" pitchFamily="34" charset="0"/>
+              </a:rPr>
+              <a:t>San Francisco, CA: </a:t>
+            </a:r>
+            <a:r>
+              <a:rPr lang="en-US" sz="1400" dirty="0">
+                <a:solidFill>
+                  <a:schemeClr val="tx1">
+                    <a:lumMod val="65000"/>
+                    <a:lumOff val="35000"/>
+                  </a:schemeClr>
+                </a:solidFill>
+                <a:latin typeface="+mj-lt"/>
+                <a:ea typeface="Verdana" panose="020B0604030504040204" pitchFamily="34" charset="0"/>
+              </a:rPr>
+              <a:t>No Starch Press</a:t>
+            </a:r>
+            <a:r>
+              <a:rPr lang="en-US" sz="1400" b="0" i="0" dirty="0">
+                <a:solidFill>
+                  <a:schemeClr val="tx1">
+                    <a:lumMod val="65000"/>
+                    <a:lumOff val="35000"/>
+                  </a:schemeClr>
+                </a:solidFill>
+                <a:effectLst/>
+                <a:latin typeface="+mj-lt"/>
+                <a:ea typeface="Verdana" panose="020B0604030504040204" pitchFamily="34" charset="0"/>
+              </a:rPr>
+              <a:t>.</a:t>
+            </a:r>
+            <a:endParaRPr lang="en-US" sz="1400" dirty="0">
+              <a:solidFill>
+                <a:schemeClr val="tx1">
+                  <a:lumMod val="65000"/>
+                  <a:lumOff val="35000"/>
+                </a:schemeClr>
+              </a:solidFill>
+              <a:latin typeface="+mj-lt"/>
+              <a:ea typeface="Verdana" panose="020B0604030504040204" pitchFamily="34" charset="0"/>
+            </a:endParaRPr>
+          </a:p>
+        </p:txBody>
+      </p:sp>
+    </p:spTree>
+    <p:extLst>
+      <p:ext uri="{BB962C8B-B14F-4D97-AF65-F5344CB8AC3E}">
+        <p14:creationId xmlns:p14="http://schemas.microsoft.com/office/powerpoint/2010/main" val="894611642"/>
+      </p:ext>
+    </p:extLst>
+  </p:cSld>
+  <p:clrMapOvr>
+    <a:masterClrMapping/>
+  </p:clrMapOvr>
+  <mc:AlternateContent xmlns:mc="http://schemas.openxmlformats.org/markup-compatibility/2006" xmlns:p14="http://schemas.microsoft.com/office/powerpoint/2010/main">
+    <mc:Choice Requires="p14">
+      <p:transition spd="slow" p14:dur="3400">
+        <p14:reveal/>
+      </p:transition>
+    </mc:Choice>
+    <mc:Fallback xmlns="">
+      <p:transition spd="slow">
+        <p:fade/>
+      </p:transition>
+    </mc:Fallback>
+  </mc:AlternateContent>
+</p:sld>
+</file>
+
 <file path=ppt/slides/slide2.xml><?xml version="1.0" encoding="utf-8"?>
 <p:sld xmlns:a="http://schemas.openxmlformats.org/drawingml/2006/main" xmlns:r="http://schemas.openxmlformats.org/officeDocument/2006/relationships" xmlns:p="http://schemas.openxmlformats.org/presentationml/2006/main">
   <p:cSld>
@@ -5774,8 +7639,8 @@
         </p:nvSpPr>
         <p:spPr>
           <a:xfrm>
-            <a:off x="0" y="3198167"/>
-            <a:ext cx="12192000" cy="707886"/>
+            <a:off x="3849188" y="3198167"/>
+            <a:ext cx="4493623" cy="461665"/>
           </a:xfrm>
           <a:prstGeom prst="rect">
             <a:avLst/>
@@ -5788,9 +7653,8 @@
           </a:bodyPr>
           <a:lstStyle/>
           <a:p>
-            <a:pPr algn="ctr"/>
-            <a:r>
-              <a:rPr lang="en-US" sz="4000" dirty="0">
+            <a:r>
+              <a:rPr lang="en-US" sz="2400" dirty="0">
                 <a:solidFill>
                   <a:schemeClr val="tx2">
                     <a:lumMod val="60000"/>
@@ -5807,6 +7671,258 @@
     <p:extLst>
       <p:ext uri="{BB962C8B-B14F-4D97-AF65-F5344CB8AC3E}">
         <p14:creationId xmlns:p14="http://schemas.microsoft.com/office/powerpoint/2010/main" val="2812332921"/>
+      </p:ext>
+    </p:extLst>
+  </p:cSld>
+  <p:clrMapOvr>
+    <a:masterClrMapping/>
+  </p:clrMapOvr>
+  <mc:AlternateContent xmlns:mc="http://schemas.openxmlformats.org/markup-compatibility/2006" xmlns:p14="http://schemas.microsoft.com/office/powerpoint/2010/main">
+    <mc:Choice Requires="p14">
+      <p:transition spd="slow" p14:dur="3400">
+        <p14:reveal/>
+      </p:transition>
+    </mc:Choice>
+    <mc:Fallback xmlns="">
+      <p:transition spd="slow">
+        <p:fade/>
+      </p:transition>
+    </mc:Fallback>
+  </mc:AlternateContent>
+</p:sld>
+</file>
+
+<file path=ppt/slides/slide9.xml><?xml version="1.0" encoding="utf-8"?>
+<p:sld xmlns:a="http://schemas.openxmlformats.org/drawingml/2006/main" xmlns:r="http://schemas.openxmlformats.org/officeDocument/2006/relationships" xmlns:p="http://schemas.openxmlformats.org/presentationml/2006/main">
+  <p:cSld>
+    <p:spTree>
+      <p:nvGrpSpPr>
+        <p:cNvPr id="1" name=""/>
+        <p:cNvGrpSpPr/>
+        <p:nvPr/>
+      </p:nvGrpSpPr>
+      <p:grpSpPr>
+        <a:xfrm>
+          <a:off x="0" y="0"/>
+          <a:ext cx="0" cy="0"/>
+          <a:chOff x="0" y="0"/>
+          <a:chExt cx="0" cy="0"/>
+        </a:xfrm>
+      </p:grpSpPr>
+      <p:sp>
+        <p:nvSpPr>
+          <p:cNvPr id="3" name="TextBox 2">
+            <a:extLst>
+              <a:ext uri="{FF2B5EF4-FFF2-40B4-BE49-F238E27FC236}">
+                <a16:creationId xmlns:a16="http://schemas.microsoft.com/office/drawing/2014/main" id="{C3520577-5704-49CA-A154-FF3E495A53CF}"/>
+              </a:ext>
+            </a:extLst>
+          </p:cNvPr>
+          <p:cNvSpPr txBox="1"/>
+          <p:nvPr/>
+        </p:nvSpPr>
+        <p:spPr>
+          <a:xfrm>
+            <a:off x="3849188" y="3198167"/>
+            <a:ext cx="4493623" cy="461665"/>
+          </a:xfrm>
+          <a:prstGeom prst="rect">
+            <a:avLst/>
+          </a:prstGeom>
+          <a:noFill/>
+        </p:spPr>
+        <p:txBody>
+          <a:bodyPr wrap="square">
+            <a:spAutoFit/>
+          </a:bodyPr>
+          <a:lstStyle/>
+          <a:p>
+            <a:r>
+              <a:rPr lang="en-US" sz="2400" dirty="0">
+                <a:solidFill>
+                  <a:schemeClr val="tx2">
+                    <a:lumMod val="60000"/>
+                    <a:lumOff val="40000"/>
+                  </a:schemeClr>
+                </a:solidFill>
+              </a:rPr>
+              <a:t>https://www.nextrembrandt.com/</a:t>
+            </a:r>
+          </a:p>
+        </p:txBody>
+      </p:sp>
+      <p:pic>
+        <p:nvPicPr>
+          <p:cNvPr id="1026" name="Picture 2" descr="f22001">
+            <a:extLst>
+              <a:ext uri="{FF2B5EF4-FFF2-40B4-BE49-F238E27FC236}">
+                <a16:creationId xmlns:a16="http://schemas.microsoft.com/office/drawing/2014/main" id="{143E41B1-77AE-4F62-8F96-0382D9EFC665}"/>
+              </a:ext>
+            </a:extLst>
+          </p:cNvPr>
+          <p:cNvPicPr>
+            <a:picLocks noChangeAspect="1" noChangeArrowheads="1"/>
+          </p:cNvPicPr>
+          <p:nvPr/>
+        </p:nvPicPr>
+        <p:blipFill>
+          <a:blip r:embed="rId3">
+            <a:extLst>
+              <a:ext uri="{28A0092B-C50C-407E-A947-70E740481C1C}">
+                <a14:useLocalDpi xmlns:a14="http://schemas.microsoft.com/office/drawing/2010/main" val="0"/>
+              </a:ext>
+            </a:extLst>
+          </a:blip>
+          <a:srcRect/>
+          <a:stretch>
+            <a:fillRect/>
+          </a:stretch>
+        </p:blipFill>
+        <p:spPr bwMode="auto">
+          <a:xfrm>
+            <a:off x="2790824" y="216842"/>
+            <a:ext cx="6610350" cy="5962650"/>
+          </a:xfrm>
+          <a:prstGeom prst="rect">
+            <a:avLst/>
+          </a:prstGeom>
+          <a:noFill/>
+          <a:extLst>
+            <a:ext uri="{909E8E84-426E-40DD-AFC4-6F175D3DCCD1}">
+              <a14:hiddenFill xmlns:a14="http://schemas.microsoft.com/office/drawing/2010/main">
+                <a:solidFill>
+                  <a:srgbClr val="FFFFFF"/>
+                </a:solidFill>
+              </a14:hiddenFill>
+            </a:ext>
+          </a:extLst>
+        </p:spPr>
+      </p:pic>
+      <p:sp>
+        <p:nvSpPr>
+          <p:cNvPr id="5" name="TextBox 4">
+            <a:extLst>
+              <a:ext uri="{FF2B5EF4-FFF2-40B4-BE49-F238E27FC236}">
+                <a16:creationId xmlns:a16="http://schemas.microsoft.com/office/drawing/2014/main" id="{EFCD11DD-EC0E-4929-ADF0-7C6198689AF9}"/>
+              </a:ext>
+            </a:extLst>
+          </p:cNvPr>
+          <p:cNvSpPr txBox="1"/>
+          <p:nvPr/>
+        </p:nvSpPr>
+        <p:spPr>
+          <a:xfrm>
+            <a:off x="0" y="6550223"/>
+            <a:ext cx="12192000" cy="307777"/>
+          </a:xfrm>
+          <a:prstGeom prst="rect">
+            <a:avLst/>
+          </a:prstGeom>
+          <a:noFill/>
+        </p:spPr>
+        <p:txBody>
+          <a:bodyPr wrap="square" rtlCol="0">
+            <a:spAutoFit/>
+          </a:bodyPr>
+          <a:lstStyle/>
+          <a:p>
+            <a:r>
+              <a:rPr lang="en-US" sz="1400" dirty="0">
+                <a:solidFill>
+                  <a:schemeClr val="tx1">
+                    <a:lumMod val="65000"/>
+                    <a:lumOff val="35000"/>
+                  </a:schemeClr>
+                </a:solidFill>
+                <a:latin typeface="+mj-lt"/>
+                <a:ea typeface="Verdana" panose="020B0604030504040204" pitchFamily="34" charset="0"/>
+              </a:rPr>
+              <a:t>Source: Glassner, A. (2021). </a:t>
+            </a:r>
+            <a:r>
+              <a:rPr lang="en-US" sz="1400" i="1" dirty="0">
+                <a:solidFill>
+                  <a:schemeClr val="tx1">
+                    <a:lumMod val="65000"/>
+                    <a:lumOff val="35000"/>
+                  </a:schemeClr>
+                </a:solidFill>
+                <a:latin typeface="+mj-lt"/>
+                <a:ea typeface="Verdana" panose="020B0604030504040204" pitchFamily="34" charset="0"/>
+              </a:rPr>
+              <a:t>Deep learning: A visual approach</a:t>
+            </a:r>
+            <a:r>
+              <a:rPr lang="en-US" sz="1400" dirty="0">
+                <a:solidFill>
+                  <a:schemeClr val="tx1">
+                    <a:lumMod val="65000"/>
+                    <a:lumOff val="35000"/>
+                  </a:schemeClr>
+                </a:solidFill>
+                <a:latin typeface="+mj-lt"/>
+                <a:ea typeface="Verdana" panose="020B0604030504040204" pitchFamily="34" charset="0"/>
+              </a:rPr>
+              <a:t>. </a:t>
+            </a:r>
+            <a:r>
+              <a:rPr lang="en-US" sz="1400" b="0" i="0" dirty="0">
+                <a:solidFill>
+                  <a:schemeClr val="tx1">
+                    <a:lumMod val="65000"/>
+                    <a:lumOff val="35000"/>
+                  </a:schemeClr>
+                </a:solidFill>
+                <a:effectLst/>
+                <a:latin typeface="+mj-lt"/>
+                <a:ea typeface="Verdana" panose="020B0604030504040204" pitchFamily="34" charset="0"/>
+              </a:rPr>
+              <a:t>San Francisco, CA: </a:t>
+            </a:r>
+            <a:r>
+              <a:rPr lang="en-US" sz="1400" dirty="0">
+                <a:solidFill>
+                  <a:schemeClr val="tx1">
+                    <a:lumMod val="65000"/>
+                    <a:lumOff val="35000"/>
+                  </a:schemeClr>
+                </a:solidFill>
+                <a:latin typeface="+mj-lt"/>
+                <a:ea typeface="Verdana" panose="020B0604030504040204" pitchFamily="34" charset="0"/>
+              </a:rPr>
+              <a:t>No Starch Press</a:t>
+            </a:r>
+            <a:r>
+              <a:rPr lang="en-US" sz="1400" b="0" i="0" dirty="0">
+                <a:solidFill>
+                  <a:schemeClr val="tx1">
+                    <a:lumMod val="65000"/>
+                    <a:lumOff val="35000"/>
+                  </a:schemeClr>
+                </a:solidFill>
+                <a:effectLst/>
+                <a:latin typeface="+mj-lt"/>
+                <a:ea typeface="Verdana" panose="020B0604030504040204" pitchFamily="34" charset="0"/>
+              </a:rPr>
+              <a:t>.</a:t>
+            </a:r>
+            <a:endParaRPr lang="en-US" sz="1400" dirty="0">
+              <a:solidFill>
+                <a:schemeClr val="tx1">
+                  <a:lumMod val="65000"/>
+                  <a:lumOff val="35000"/>
+                </a:schemeClr>
+              </a:solidFill>
+              <a:latin typeface="+mj-lt"/>
+              <a:ea typeface="Verdana" panose="020B0604030504040204" pitchFamily="34" charset="0"/>
+            </a:endParaRPr>
+          </a:p>
+        </p:txBody>
+      </p:sp>
+    </p:spTree>
+    <p:extLst>
+      <p:ext uri="{BB962C8B-B14F-4D97-AF65-F5344CB8AC3E}">
+        <p14:creationId xmlns:p14="http://schemas.microsoft.com/office/powerpoint/2010/main" val="1675666596"/>
       </p:ext>
     </p:extLst>
   </p:cSld>
